--- a/Weekly-Reports/ModulationAndFourierSeries.pptx
+++ b/Weekly-Reports/ModulationAndFourierSeries.pptx
@@ -105,6 +105,11 @@
       </a:defRPr>
     </a:lvl9pPr>
   </p:defaultTextStyle>
+  <p:extLst>
+    <p:ext uri="{EFAFB233-063F-42B5-8137-9DF3F51BA10A}">
+      <p15:sldGuideLst xmlns:p15="http://schemas.microsoft.com/office/powerpoint/2012/main"/>
+    </p:ext>
+  </p:extLst>
 </p:presentation>
 </file>
 
@@ -239,7 +244,7 @@
           <a:p>
             <a:fld id="{98EE8E33-C009-475D-AAA5-68540FA5BF4D}" type="datetimeFigureOut">
               <a:rPr lang="sv-SE" smtClean="0"/>
-              <a:t>2023-09-08</a:t>
+              <a:t>2023-09-17</a:t>
             </a:fld>
             <a:endParaRPr lang="sv-SE"/>
           </a:p>
@@ -409,7 +414,7 @@
           <a:p>
             <a:fld id="{98EE8E33-C009-475D-AAA5-68540FA5BF4D}" type="datetimeFigureOut">
               <a:rPr lang="sv-SE" smtClean="0"/>
-              <a:t>2023-09-08</a:t>
+              <a:t>2023-09-17</a:t>
             </a:fld>
             <a:endParaRPr lang="sv-SE"/>
           </a:p>
@@ -589,7 +594,7 @@
           <a:p>
             <a:fld id="{98EE8E33-C009-475D-AAA5-68540FA5BF4D}" type="datetimeFigureOut">
               <a:rPr lang="sv-SE" smtClean="0"/>
-              <a:t>2023-09-08</a:t>
+              <a:t>2023-09-17</a:t>
             </a:fld>
             <a:endParaRPr lang="sv-SE"/>
           </a:p>
@@ -759,7 +764,7 @@
           <a:p>
             <a:fld id="{98EE8E33-C009-475D-AAA5-68540FA5BF4D}" type="datetimeFigureOut">
               <a:rPr lang="sv-SE" smtClean="0"/>
-              <a:t>2023-09-08</a:t>
+              <a:t>2023-09-17</a:t>
             </a:fld>
             <a:endParaRPr lang="sv-SE"/>
           </a:p>
@@ -1005,7 +1010,7 @@
           <a:p>
             <a:fld id="{98EE8E33-C009-475D-AAA5-68540FA5BF4D}" type="datetimeFigureOut">
               <a:rPr lang="sv-SE" smtClean="0"/>
-              <a:t>2023-09-08</a:t>
+              <a:t>2023-09-17</a:t>
             </a:fld>
             <a:endParaRPr lang="sv-SE"/>
           </a:p>
@@ -1237,7 +1242,7 @@
           <a:p>
             <a:fld id="{98EE8E33-C009-475D-AAA5-68540FA5BF4D}" type="datetimeFigureOut">
               <a:rPr lang="sv-SE" smtClean="0"/>
-              <a:t>2023-09-08</a:t>
+              <a:t>2023-09-17</a:t>
             </a:fld>
             <a:endParaRPr lang="sv-SE"/>
           </a:p>
@@ -1604,7 +1609,7 @@
           <a:p>
             <a:fld id="{98EE8E33-C009-475D-AAA5-68540FA5BF4D}" type="datetimeFigureOut">
               <a:rPr lang="sv-SE" smtClean="0"/>
-              <a:t>2023-09-08</a:t>
+              <a:t>2023-09-17</a:t>
             </a:fld>
             <a:endParaRPr lang="sv-SE"/>
           </a:p>
@@ -1722,7 +1727,7 @@
           <a:p>
             <a:fld id="{98EE8E33-C009-475D-AAA5-68540FA5BF4D}" type="datetimeFigureOut">
               <a:rPr lang="sv-SE" smtClean="0"/>
-              <a:t>2023-09-08</a:t>
+              <a:t>2023-09-17</a:t>
             </a:fld>
             <a:endParaRPr lang="sv-SE"/>
           </a:p>
@@ -1817,7 +1822,7 @@
           <a:p>
             <a:fld id="{98EE8E33-C009-475D-AAA5-68540FA5BF4D}" type="datetimeFigureOut">
               <a:rPr lang="sv-SE" smtClean="0"/>
-              <a:t>2023-09-08</a:t>
+              <a:t>2023-09-17</a:t>
             </a:fld>
             <a:endParaRPr lang="sv-SE"/>
           </a:p>
@@ -2094,7 +2099,7 @@
           <a:p>
             <a:fld id="{98EE8E33-C009-475D-AAA5-68540FA5BF4D}" type="datetimeFigureOut">
               <a:rPr lang="sv-SE" smtClean="0"/>
-              <a:t>2023-09-08</a:t>
+              <a:t>2023-09-17</a:t>
             </a:fld>
             <a:endParaRPr lang="sv-SE"/>
           </a:p>
@@ -2347,7 +2352,7 @@
           <a:p>
             <a:fld id="{98EE8E33-C009-475D-AAA5-68540FA5BF4D}" type="datetimeFigureOut">
               <a:rPr lang="sv-SE" smtClean="0"/>
-              <a:t>2023-09-08</a:t>
+              <a:t>2023-09-17</a:t>
             </a:fld>
             <a:endParaRPr lang="sv-SE"/>
           </a:p>
@@ -2560,7 +2565,7 @@
           <a:p>
             <a:fld id="{98EE8E33-C009-475D-AAA5-68540FA5BF4D}" type="datetimeFigureOut">
               <a:rPr lang="sv-SE" smtClean="0"/>
-              <a:t>2023-09-08</a:t>
+              <a:t>2023-09-17</a:t>
             </a:fld>
             <a:endParaRPr lang="sv-SE"/>
           </a:p>
@@ -3300,11 +3305,7 @@
           <a:p>
             <a:r>
               <a:rPr lang="en-US" sz="1200" dirty="0" smtClean="0"/>
-              <a:t>3 level NPC: </a:t>
-            </a:r>
-            <a:r>
-              <a:rPr lang="en-US" sz="1200" dirty="0" smtClean="0"/>
-              <a:t>SPWM THIPWM SVPWM</a:t>
+              <a:t>3 level NPC: SPWM THIPWM SVPWM</a:t>
             </a:r>
           </a:p>
         </p:txBody>
@@ -3474,7 +3475,6 @@
               <a:rPr lang="en-US" sz="1200" dirty="0" smtClean="0"/>
               <a:t>U</a:t>
             </a:r>
-            <a:endParaRPr lang="en-US" sz="1200" dirty="0" smtClean="0"/>
           </a:p>
         </p:txBody>
       </p:sp>
@@ -3653,42 +3653,6 @@
           </a:p>
         </p:txBody>
       </p:sp>
-      <p:cxnSp>
-        <p:nvCxnSpPr>
-          <p:cNvPr id="44" name="Straight Arrow Connector 43"/>
-          <p:cNvCxnSpPr/>
-          <p:nvPr/>
-        </p:nvCxnSpPr>
-        <p:spPr>
-          <a:xfrm>
-            <a:off x="2349844" y="4244547"/>
-            <a:ext cx="0" cy="457550"/>
-          </a:xfrm>
-          <a:prstGeom prst="straightConnector1">
-            <a:avLst/>
-          </a:prstGeom>
-          <a:ln>
-            <a:solidFill>
-              <a:schemeClr val="tx1"/>
-            </a:solidFill>
-            <a:tailEnd type="triangle"/>
-          </a:ln>
-        </p:spPr>
-        <p:style>
-          <a:lnRef idx="1">
-            <a:schemeClr val="accent1"/>
-          </a:lnRef>
-          <a:fillRef idx="0">
-            <a:schemeClr val="accent1"/>
-          </a:fillRef>
-          <a:effectRef idx="0">
-            <a:schemeClr val="accent1"/>
-          </a:effectRef>
-          <a:fontRef idx="minor">
-            <a:schemeClr val="tx1"/>
-          </a:fontRef>
-        </p:style>
-      </p:cxnSp>
     </p:spTree>
     <p:extLst>
       <p:ext uri="{BB962C8B-B14F-4D97-AF65-F5344CB8AC3E}">
